--- a/GT2C_02_磯尾ガブリエル_TOC企画書.pptx
+++ b/GT2C_02_磯尾ガブリエル_TOC企画書.pptx
@@ -204,7 +204,7 @@
           <a:p>
             <a:fld id="{B103F357-824E-45FE-8A97-CEB113766FFD}" type="datetimeFigureOut">
               <a:rPr kumimoji="1" lang="ja-JP" altLang="en-US" smtClean="0"/>
-              <a:t>2024/12/5</a:t>
+              <a:t>2024/12/10</a:t>
             </a:fld>
             <a:endParaRPr kumimoji="1" lang="ja-JP" altLang="en-US"/>
           </a:p>
@@ -732,7 +732,7 @@
           <a:p>
             <a:fld id="{0E02A643-9BB0-4E02-80B2-2C0A5E5D738E}" type="datetimeFigureOut">
               <a:rPr kumimoji="1" lang="ja-JP" altLang="en-US" smtClean="0"/>
-              <a:t>2024/12/5</a:t>
+              <a:t>2024/12/10</a:t>
             </a:fld>
             <a:endParaRPr kumimoji="1" lang="ja-JP" altLang="en-US"/>
           </a:p>
@@ -932,7 +932,7 @@
           <a:p>
             <a:fld id="{0E02A643-9BB0-4E02-80B2-2C0A5E5D738E}" type="datetimeFigureOut">
               <a:rPr kumimoji="1" lang="ja-JP" altLang="en-US" smtClean="0"/>
-              <a:t>2024/12/5</a:t>
+              <a:t>2024/12/10</a:t>
             </a:fld>
             <a:endParaRPr kumimoji="1" lang="ja-JP" altLang="en-US"/>
           </a:p>
@@ -1142,7 +1142,7 @@
           <a:p>
             <a:fld id="{0E02A643-9BB0-4E02-80B2-2C0A5E5D738E}" type="datetimeFigureOut">
               <a:rPr kumimoji="1" lang="ja-JP" altLang="en-US" smtClean="0"/>
-              <a:t>2024/12/5</a:t>
+              <a:t>2024/12/10</a:t>
             </a:fld>
             <a:endParaRPr kumimoji="1" lang="ja-JP" altLang="en-US"/>
           </a:p>
@@ -1342,7 +1342,7 @@
           <a:p>
             <a:fld id="{0E02A643-9BB0-4E02-80B2-2C0A5E5D738E}" type="datetimeFigureOut">
               <a:rPr kumimoji="1" lang="ja-JP" altLang="en-US" smtClean="0"/>
-              <a:t>2024/12/5</a:t>
+              <a:t>2024/12/10</a:t>
             </a:fld>
             <a:endParaRPr kumimoji="1" lang="ja-JP" altLang="en-US"/>
           </a:p>
@@ -1587,7 +1587,7 @@
           <a:p>
             <a:fld id="{0E02A643-9BB0-4E02-80B2-2C0A5E5D738E}" type="datetimeFigureOut">
               <a:rPr kumimoji="1" lang="ja-JP" altLang="en-US" smtClean="0"/>
-              <a:t>2024/12/5</a:t>
+              <a:t>2024/12/10</a:t>
             </a:fld>
             <a:endParaRPr kumimoji="1" lang="ja-JP" altLang="en-US"/>
           </a:p>
@@ -1880,7 +1880,7 @@
           <a:p>
             <a:fld id="{0E02A643-9BB0-4E02-80B2-2C0A5E5D738E}" type="datetimeFigureOut">
               <a:rPr kumimoji="1" lang="ja-JP" altLang="en-US" smtClean="0"/>
-              <a:t>2024/12/5</a:t>
+              <a:t>2024/12/10</a:t>
             </a:fld>
             <a:endParaRPr kumimoji="1" lang="ja-JP" altLang="en-US"/>
           </a:p>
@@ -2308,7 +2308,7 @@
           <a:p>
             <a:fld id="{0E02A643-9BB0-4E02-80B2-2C0A5E5D738E}" type="datetimeFigureOut">
               <a:rPr kumimoji="1" lang="ja-JP" altLang="en-US" smtClean="0"/>
-              <a:t>2024/12/5</a:t>
+              <a:t>2024/12/10</a:t>
             </a:fld>
             <a:endParaRPr kumimoji="1" lang="ja-JP" altLang="en-US"/>
           </a:p>
@@ -2425,7 +2425,7 @@
           <a:p>
             <a:fld id="{0E02A643-9BB0-4E02-80B2-2C0A5E5D738E}" type="datetimeFigureOut">
               <a:rPr kumimoji="1" lang="ja-JP" altLang="en-US" smtClean="0"/>
-              <a:t>2024/12/5</a:t>
+              <a:t>2024/12/10</a:t>
             </a:fld>
             <a:endParaRPr kumimoji="1" lang="ja-JP" altLang="en-US"/>
           </a:p>
@@ -2520,7 +2520,7 @@
           <a:p>
             <a:fld id="{0E02A643-9BB0-4E02-80B2-2C0A5E5D738E}" type="datetimeFigureOut">
               <a:rPr kumimoji="1" lang="ja-JP" altLang="en-US" smtClean="0"/>
-              <a:t>2024/12/5</a:t>
+              <a:t>2024/12/10</a:t>
             </a:fld>
             <a:endParaRPr kumimoji="1" lang="ja-JP" altLang="en-US"/>
           </a:p>
@@ -2827,7 +2827,7 @@
           <a:p>
             <a:fld id="{0E02A643-9BB0-4E02-80B2-2C0A5E5D738E}" type="datetimeFigureOut">
               <a:rPr kumimoji="1" lang="ja-JP" altLang="en-US" smtClean="0"/>
-              <a:t>2024/12/5</a:t>
+              <a:t>2024/12/10</a:t>
             </a:fld>
             <a:endParaRPr kumimoji="1" lang="ja-JP" altLang="en-US"/>
           </a:p>
@@ -3079,7 +3079,7 @@
           <a:p>
             <a:fld id="{0E02A643-9BB0-4E02-80B2-2C0A5E5D738E}" type="datetimeFigureOut">
               <a:rPr kumimoji="1" lang="ja-JP" altLang="en-US" smtClean="0"/>
-              <a:t>2024/12/5</a:t>
+              <a:t>2024/12/10</a:t>
             </a:fld>
             <a:endParaRPr kumimoji="1" lang="ja-JP" altLang="en-US"/>
           </a:p>
@@ -3325,7 +3325,7 @@
           <a:p>
             <a:fld id="{0E02A643-9BB0-4E02-80B2-2C0A5E5D738E}" type="datetimeFigureOut">
               <a:rPr kumimoji="1" lang="ja-JP" altLang="en-US" smtClean="0"/>
-              <a:t>2024/12/5</a:t>
+              <a:t>2024/12/10</a:t>
             </a:fld>
             <a:endParaRPr kumimoji="1" lang="ja-JP" altLang="en-US"/>
           </a:p>
@@ -3831,7 +3831,7 @@
                 <a:latin typeface="+mj-ea"/>
                 <a:ea typeface="+mj-ea"/>
               </a:rPr>
-              <a:t>アクション</a:t>
+              <a:t>ストラテジー</a:t>
             </a:r>
             <a:r>
               <a:rPr lang="en-US" altLang="ja-JP" dirty="0">
@@ -3897,15 +3897,38 @@
                 <a:latin typeface="+mj-ea"/>
                 <a:ea typeface="+mj-ea"/>
               </a:rPr>
-              <a:t>メンバー</a:t>
-            </a:r>
-            <a:endParaRPr lang="en-US" altLang="ja-JP" b="1" dirty="0">
-              <a:solidFill>
-                <a:srgbClr val="D9D9D9"/>
-              </a:solidFill>
-              <a:latin typeface="+mj-ea"/>
-              <a:ea typeface="+mj-ea"/>
-            </a:endParaRPr>
+              <a:t>メチーム：</a:t>
+            </a:r>
+            <a:r>
+              <a:rPr lang="en-US" altLang="ja-JP" b="1" dirty="0">
+                <a:solidFill>
+                  <a:srgbClr val="D9D9D9"/>
+                </a:solidFill>
+                <a:latin typeface="+mj-ea"/>
+                <a:ea typeface="+mj-ea"/>
+              </a:rPr>
+              <a:t>2</a:t>
+            </a:r>
+            <a:r>
+              <a:rPr lang="en-US" altLang="ja-JP" b="1" baseline="30000" dirty="0">
+                <a:solidFill>
+                  <a:srgbClr val="D9D9D9"/>
+                </a:solidFill>
+                <a:latin typeface="+mj-ea"/>
+                <a:ea typeface="+mj-ea"/>
+              </a:rPr>
+              <a:t>nd</a:t>
+            </a:r>
+            <a:r>
+              <a:rPr lang="en-US" altLang="ja-JP" b="1" dirty="0">
+                <a:solidFill>
+                  <a:srgbClr val="D9D9D9"/>
+                </a:solidFill>
+                <a:latin typeface="+mj-ea"/>
+                <a:ea typeface="+mj-ea"/>
+              </a:rPr>
+              <a:t> Baron</a:t>
+            </a:r>
           </a:p>
           <a:p>
             <a:pPr fontAlgn="base"/>
@@ -3986,7 +4009,7 @@
               <a:t>	</a:t>
             </a:r>
             <a:r>
-              <a:rPr lang="ja-JP" altLang="en-US">
+              <a:rPr lang="ja-JP" altLang="en-US" dirty="0">
                 <a:solidFill>
                   <a:srgbClr val="D9D9D9"/>
                 </a:solidFill>
@@ -7706,26 +7729,6 @@
 </file>
 
 <file path=customXml/item1.xml><?xml version="1.0" encoding="utf-8"?>
-<?mso-contentType ?>
-<FormTemplates xmlns="http://schemas.microsoft.com/sharepoint/v3/contenttype/forms">
-  <Display>DocumentLibraryForm</Display>
-  <Edit>DocumentLibraryForm</Edit>
-  <New>DocumentLibraryForm</New>
-</FormTemplates>
-</file>
-
-<file path=customXml/item2.xml><?xml version="1.0" encoding="utf-8"?>
-<p:properties xmlns:p="http://schemas.microsoft.com/office/2006/metadata/properties" xmlns:xsi="http://www.w3.org/2001/XMLSchema-instance" xmlns:pc="http://schemas.microsoft.com/office/infopath/2007/PartnerControls">
-  <documentManagement>
-    <lcf76f155ced4ddcb4097134ff3c332f xmlns="9fe8a4a3-6c64-4b86-8618-7d8b382ab842">
-      <Terms xmlns="http://schemas.microsoft.com/office/infopath/2007/PartnerControls"/>
-    </lcf76f155ced4ddcb4097134ff3c332f>
-    <TaxCatchAll xmlns="364aa304-3828-4773-a036-d0e31fc55b11" xsi:nil="true"/>
-  </documentManagement>
-</p:properties>
-</file>
-
-<file path=customXml/item3.xml><?xml version="1.0" encoding="utf-8"?>
 <ct:contentTypeSchema xmlns:ct="http://schemas.microsoft.com/office/2006/metadata/contentType" xmlns:ma="http://schemas.microsoft.com/office/2006/metadata/properties/metaAttributes" ct:_="" ma:_="" ma:contentTypeName="ドキュメント" ma:contentTypeID="0x010100AEB1FF0A79880844874673FCB6085F70" ma:contentTypeVersion="15" ma:contentTypeDescription="新しいドキュメントを作成します。" ma:contentTypeScope="" ma:versionID="8d7d4aed06be08da839359674a604cf9">
   <xsd:schema xmlns:xsd="http://www.w3.org/2001/XMLSchema" xmlns:xs="http://www.w3.org/2001/XMLSchema" xmlns:p="http://schemas.microsoft.com/office/2006/metadata/properties" xmlns:ns2="9fe8a4a3-6c64-4b86-8618-7d8b382ab842" xmlns:ns3="364aa304-3828-4773-a036-d0e31fc55b11" targetNamespace="http://schemas.microsoft.com/office/2006/metadata/properties" ma:root="true" ma:fieldsID="5297e607814c2c6876113e4b616e9231" ns2:_="" ns3:_="">
     <xsd:import namespace="9fe8a4a3-6c64-4b86-8618-7d8b382ab842"/>
@@ -7960,10 +7963,41 @@
 </ct:contentTypeSchema>
 </file>
 
+<file path=customXml/item2.xml><?xml version="1.0" encoding="utf-8"?>
+<p:properties xmlns:p="http://schemas.microsoft.com/office/2006/metadata/properties" xmlns:xsi="http://www.w3.org/2001/XMLSchema-instance" xmlns:pc="http://schemas.microsoft.com/office/infopath/2007/PartnerControls">
+  <documentManagement>
+    <lcf76f155ced4ddcb4097134ff3c332f xmlns="9fe8a4a3-6c64-4b86-8618-7d8b382ab842">
+      <Terms xmlns="http://schemas.microsoft.com/office/infopath/2007/PartnerControls"/>
+    </lcf76f155ced4ddcb4097134ff3c332f>
+    <TaxCatchAll xmlns="364aa304-3828-4773-a036-d0e31fc55b11" xsi:nil="true"/>
+  </documentManagement>
+</p:properties>
+</file>
+
+<file path=customXml/item3.xml><?xml version="1.0" encoding="utf-8"?>
+<?mso-contentType ?>
+<FormTemplates xmlns="http://schemas.microsoft.com/sharepoint/v3/contenttype/forms">
+  <Display>DocumentLibraryForm</Display>
+  <Edit>DocumentLibraryForm</Edit>
+  <New>DocumentLibraryForm</New>
+</FormTemplates>
+</file>
+
 <file path=customXml/itemProps1.xml><?xml version="1.0" encoding="utf-8"?>
-<ds:datastoreItem xmlns:ds="http://schemas.openxmlformats.org/officeDocument/2006/customXml" ds:itemID="{2306AA0A-C44C-428F-9798-FDC2985FA592}">
+<ds:datastoreItem xmlns:ds="http://schemas.openxmlformats.org/officeDocument/2006/customXml" ds:itemID="{7751BFD2-9024-40BF-BFF3-7B2D6E032E3B}">
   <ds:schemaRefs>
-    <ds:schemaRef ds:uri="http://schemas.microsoft.com/sharepoint/v3/contenttype/forms"/>
+    <ds:schemaRef ds:uri="http://schemas.microsoft.com/office/2006/metadata/contentType"/>
+    <ds:schemaRef ds:uri="http://schemas.microsoft.com/office/2006/metadata/properties/metaAttributes"/>
+    <ds:schemaRef ds:uri="http://www.w3.org/2001/XMLSchema"/>
+    <ds:schemaRef ds:uri="http://schemas.microsoft.com/office/2006/metadata/properties"/>
+    <ds:schemaRef ds:uri="9fe8a4a3-6c64-4b86-8618-7d8b382ab842"/>
+    <ds:schemaRef ds:uri="364aa304-3828-4773-a036-d0e31fc55b11"/>
+    <ds:schemaRef ds:uri="http://schemas.microsoft.com/office/2006/documentManagement/types"/>
+    <ds:schemaRef ds:uri="http://schemas.microsoft.com/office/infopath/2007/PartnerControls"/>
+    <ds:schemaRef ds:uri="http://schemas.openxmlformats.org/package/2006/metadata/core-properties"/>
+    <ds:schemaRef ds:uri="http://purl.org/dc/elements/1.1/"/>
+    <ds:schemaRef ds:uri="http://purl.org/dc/terms/"/>
+    <ds:schemaRef ds:uri="http://schemas.microsoft.com/internal/obd"/>
   </ds:schemaRefs>
 </ds:datastoreItem>
 </file>
@@ -7986,20 +8020,9 @@
 </file>
 
 <file path=customXml/itemProps3.xml><?xml version="1.0" encoding="utf-8"?>
-<ds:datastoreItem xmlns:ds="http://schemas.openxmlformats.org/officeDocument/2006/customXml" ds:itemID="{7751BFD2-9024-40BF-BFF3-7B2D6E032E3B}">
+<ds:datastoreItem xmlns:ds="http://schemas.openxmlformats.org/officeDocument/2006/customXml" ds:itemID="{2306AA0A-C44C-428F-9798-FDC2985FA592}">
   <ds:schemaRefs>
-    <ds:schemaRef ds:uri="http://schemas.microsoft.com/office/2006/metadata/contentType"/>
-    <ds:schemaRef ds:uri="http://schemas.microsoft.com/office/2006/metadata/properties/metaAttributes"/>
-    <ds:schemaRef ds:uri="http://www.w3.org/2001/XMLSchema"/>
-    <ds:schemaRef ds:uri="http://schemas.microsoft.com/office/2006/metadata/properties"/>
-    <ds:schemaRef ds:uri="9fe8a4a3-6c64-4b86-8618-7d8b382ab842"/>
-    <ds:schemaRef ds:uri="364aa304-3828-4773-a036-d0e31fc55b11"/>
-    <ds:schemaRef ds:uri="http://schemas.microsoft.com/office/2006/documentManagement/types"/>
-    <ds:schemaRef ds:uri="http://schemas.microsoft.com/office/infopath/2007/PartnerControls"/>
-    <ds:schemaRef ds:uri="http://schemas.openxmlformats.org/package/2006/metadata/core-properties"/>
-    <ds:schemaRef ds:uri="http://purl.org/dc/elements/1.1/"/>
-    <ds:schemaRef ds:uri="http://purl.org/dc/terms/"/>
-    <ds:schemaRef ds:uri="http://schemas.microsoft.com/internal/obd"/>
+    <ds:schemaRef ds:uri="http://schemas.microsoft.com/sharepoint/v3/contenttype/forms"/>
   </ds:schemaRefs>
 </ds:datastoreItem>
 </file>